--- a/docs/QUOTES_Application_V3_Enhancements.pptx
+++ b/docs/QUOTES_Application_V3_Enhancements.pptx
@@ -5,10 +5,10 @@
     <p:sldMasterId id="2147483651" r:id="rId1"/>
   </p:sldMasterIdLst>
   <p:notesMasterIdLst>
-    <p:notesMasterId r:id="rId32"/>
+    <p:notesMasterId r:id="rId31"/>
   </p:notesMasterIdLst>
   <p:handoutMasterIdLst>
-    <p:handoutMasterId r:id="rId33"/>
+    <p:handoutMasterId r:id="rId32"/>
   </p:handoutMasterIdLst>
   <p:sldIdLst>
     <p:sldId id="420" r:id="rId2"/>
@@ -31,21 +31,20 @@
     <p:sldId id="483" r:id="rId19"/>
     <p:sldId id="487" r:id="rId20"/>
     <p:sldId id="484" r:id="rId21"/>
-    <p:sldId id="488" r:id="rId22"/>
-    <p:sldId id="489" r:id="rId23"/>
-    <p:sldId id="490" r:id="rId24"/>
-    <p:sldId id="491" r:id="rId25"/>
-    <p:sldId id="492" r:id="rId26"/>
-    <p:sldId id="477" r:id="rId27"/>
-    <p:sldId id="494" r:id="rId28"/>
-    <p:sldId id="495" r:id="rId29"/>
-    <p:sldId id="496" r:id="rId30"/>
-    <p:sldId id="497" r:id="rId31"/>
+    <p:sldId id="489" r:id="rId22"/>
+    <p:sldId id="490" r:id="rId23"/>
+    <p:sldId id="491" r:id="rId24"/>
+    <p:sldId id="492" r:id="rId25"/>
+    <p:sldId id="477" r:id="rId26"/>
+    <p:sldId id="494" r:id="rId27"/>
+    <p:sldId id="495" r:id="rId28"/>
+    <p:sldId id="496" r:id="rId29"/>
+    <p:sldId id="497" r:id="rId30"/>
   </p:sldIdLst>
   <p:sldSz cx="9144000" cy="6858000" type="screen4x3"/>
   <p:notesSz cx="6991350" cy="9282113"/>
   <p:custDataLst>
-    <p:tags r:id="rId34"/>
+    <p:tags r:id="rId33"/>
   </p:custDataLst>
   <p:defaultTextStyle>
     <a:defPPr>
@@ -6399,12 +6398,104 @@
           </a:p>
         </p:txBody>
       </p:sp>
+      <p:sp>
+        <p:nvSpPr>
+          <p:cNvPr id="4" name="Rectangle 3">
+            <a:extLst>
+              <a:ext uri="{FF2B5EF4-FFF2-40B4-BE49-F238E27FC236}">
+                <a16:creationId xmlns:a16="http://schemas.microsoft.com/office/drawing/2014/main" id="{AB2473F2-D5A3-49F5-BE1D-A2CE4CD25079}"/>
+              </a:ext>
+            </a:extLst>
+          </p:cNvPr>
+          <p:cNvSpPr/>
+          <p:nvPr/>
+        </p:nvSpPr>
+        <p:spPr>
+          <a:xfrm>
+            <a:off x="1066800" y="242739"/>
+            <a:ext cx="3826689" cy="461665"/>
+          </a:xfrm>
+          <a:prstGeom prst="rect">
+            <a:avLst/>
+          </a:prstGeom>
+        </p:spPr>
+        <p:txBody>
+          <a:bodyPr wrap="none">
+            <a:spAutoFit/>
+          </a:bodyPr>
+          <a:lstStyle/>
+          <a:p>
+            <a:r>
+              <a:rPr lang="en-US" b="1" dirty="0">
+                <a:solidFill>
+                  <a:schemeClr val="bg2"/>
+                </a:solidFill>
+              </a:rPr>
+              <a:t>Use Case 10: Split Quote</a:t>
+            </a:r>
+            <a:endParaRPr lang="en-US" dirty="0">
+              <a:solidFill>
+                <a:schemeClr val="bg2"/>
+              </a:solidFill>
+            </a:endParaRPr>
+          </a:p>
+        </p:txBody>
+      </p:sp>
+      <p:sp>
+        <p:nvSpPr>
+          <p:cNvPr id="5" name="TextBox 4">
+            <a:extLst>
+              <a:ext uri="{FF2B5EF4-FFF2-40B4-BE49-F238E27FC236}">
+                <a16:creationId xmlns:a16="http://schemas.microsoft.com/office/drawing/2014/main" id="{25F83C02-D581-4EE2-A6CC-96AE0D241479}"/>
+              </a:ext>
+            </a:extLst>
+          </p:cNvPr>
+          <p:cNvSpPr txBox="1"/>
+          <p:nvPr/>
+        </p:nvSpPr>
+        <p:spPr>
+          <a:xfrm>
+            <a:off x="304800" y="5389043"/>
+            <a:ext cx="8212505" cy="830997"/>
+          </a:xfrm>
+          <a:prstGeom prst="rect">
+            <a:avLst/>
+          </a:prstGeom>
+          <a:noFill/>
+        </p:spPr>
+        <p:txBody>
+          <a:bodyPr wrap="none" rtlCol="0">
+            <a:spAutoFit/>
+          </a:bodyPr>
+          <a:lstStyle/>
+          <a:p>
+            <a:r>
+              <a:rPr lang="en-US" dirty="0">
+                <a:solidFill>
+                  <a:schemeClr val="bg2"/>
+                </a:solidFill>
+              </a:rPr>
+              <a:t>Introduce the color selections, color presets, column length</a:t>
+            </a:r>
+          </a:p>
+          <a:p>
+            <a:r>
+              <a:rPr lang="en-US" dirty="0">
+                <a:solidFill>
+                  <a:schemeClr val="bg2"/>
+                </a:solidFill>
+              </a:rPr>
+              <a:t>To this page.</a:t>
+            </a:r>
+          </a:p>
+        </p:txBody>
+      </p:sp>
       <p:pic>
         <p:nvPicPr>
-          <p:cNvPr id="3" name="Picture 2">
-            <a:extLst>
-              <a:ext uri="{FF2B5EF4-FFF2-40B4-BE49-F238E27FC236}">
-                <a16:creationId xmlns:a16="http://schemas.microsoft.com/office/drawing/2014/main" id="{6BE47C58-E5E5-46B9-85F3-0FE8B3AC3E51}"/>
+          <p:cNvPr id="6" name="Picture 5">
+            <a:extLst>
+              <a:ext uri="{FF2B5EF4-FFF2-40B4-BE49-F238E27FC236}">
+                <a16:creationId xmlns:a16="http://schemas.microsoft.com/office/drawing/2014/main" id="{EA490642-8327-443C-BFA5-856C92C17091}"/>
               </a:ext>
             </a:extLst>
           </p:cNvPr>
@@ -6421,110 +6512,18 @@
         </p:blipFill>
         <p:spPr>
           <a:xfrm>
-            <a:off x="680819" y="990600"/>
-            <a:ext cx="7391400" cy="3474011"/>
+            <a:off x="0" y="1500380"/>
+            <a:ext cx="9144000" cy="3857240"/>
           </a:xfrm>
           <a:prstGeom prst="rect">
             <a:avLst/>
           </a:prstGeom>
         </p:spPr>
       </p:pic>
-      <p:sp>
-        <p:nvSpPr>
-          <p:cNvPr id="4" name="Rectangle 3">
-            <a:extLst>
-              <a:ext uri="{FF2B5EF4-FFF2-40B4-BE49-F238E27FC236}">
-                <a16:creationId xmlns:a16="http://schemas.microsoft.com/office/drawing/2014/main" id="{AB2473F2-D5A3-49F5-BE1D-A2CE4CD25079}"/>
-              </a:ext>
-            </a:extLst>
-          </p:cNvPr>
-          <p:cNvSpPr/>
-          <p:nvPr/>
-        </p:nvSpPr>
-        <p:spPr>
-          <a:xfrm>
-            <a:off x="1066800" y="242739"/>
-            <a:ext cx="4548040" cy="461665"/>
-          </a:xfrm>
-          <a:prstGeom prst="rect">
-            <a:avLst/>
-          </a:prstGeom>
-        </p:spPr>
-        <p:txBody>
-          <a:bodyPr wrap="none">
-            <a:spAutoFit/>
-          </a:bodyPr>
-          <a:lstStyle/>
-          <a:p>
-            <a:r>
-              <a:rPr lang="en-US" b="1" dirty="0">
-                <a:solidFill>
-                  <a:schemeClr val="bg2"/>
-                </a:solidFill>
-              </a:rPr>
-              <a:t>Use Case 10: Scramble Quote</a:t>
-            </a:r>
-            <a:endParaRPr lang="en-US" dirty="0">
-              <a:solidFill>
-                <a:schemeClr val="bg2"/>
-              </a:solidFill>
-            </a:endParaRPr>
-          </a:p>
-        </p:txBody>
-      </p:sp>
-      <p:sp>
-        <p:nvSpPr>
-          <p:cNvPr id="5" name="TextBox 4">
-            <a:extLst>
-              <a:ext uri="{FF2B5EF4-FFF2-40B4-BE49-F238E27FC236}">
-                <a16:creationId xmlns:a16="http://schemas.microsoft.com/office/drawing/2014/main" id="{25F83C02-D581-4EE2-A6CC-96AE0D241479}"/>
-              </a:ext>
-            </a:extLst>
-          </p:cNvPr>
-          <p:cNvSpPr txBox="1"/>
-          <p:nvPr/>
-        </p:nvSpPr>
-        <p:spPr>
-          <a:xfrm>
-            <a:off x="465747" y="4953000"/>
-            <a:ext cx="8212505" cy="830997"/>
-          </a:xfrm>
-          <a:prstGeom prst="rect">
-            <a:avLst/>
-          </a:prstGeom>
-          <a:noFill/>
-        </p:spPr>
-        <p:txBody>
-          <a:bodyPr wrap="none" rtlCol="0">
-            <a:spAutoFit/>
-          </a:bodyPr>
-          <a:lstStyle/>
-          <a:p>
-            <a:r>
-              <a:rPr lang="en-US" dirty="0">
-                <a:solidFill>
-                  <a:schemeClr val="bg2"/>
-                </a:solidFill>
-              </a:rPr>
-              <a:t>Introduce the color selections, color presets, column length</a:t>
-            </a:r>
-          </a:p>
-          <a:p>
-            <a:r>
-              <a:rPr lang="en-US" dirty="0">
-                <a:solidFill>
-                  <a:schemeClr val="bg2"/>
-                </a:solidFill>
-              </a:rPr>
-              <a:t>To this page.</a:t>
-            </a:r>
-          </a:p>
-        </p:txBody>
-      </p:sp>
     </p:spTree>
     <p:extLst>
       <p:ext uri="{BB962C8B-B14F-4D97-AF65-F5344CB8AC3E}">
-        <p14:creationId xmlns:p14="http://schemas.microsoft.com/office/powerpoint/2010/main" val="1601013916"/>
+        <p14:creationId xmlns:p14="http://schemas.microsoft.com/office/powerpoint/2010/main" val="1967252058"/>
       </p:ext>
     </p:extLst>
   </p:cSld>
@@ -6608,7 +6607,7 @@
         <p:spPr>
           <a:xfrm>
             <a:off x="1066800" y="242739"/>
-            <a:ext cx="3826689" cy="461665"/>
+            <a:ext cx="3368871" cy="461665"/>
           </a:xfrm>
           <a:prstGeom prst="rect">
             <a:avLst/>
@@ -6626,7 +6625,7 @@
                   <a:schemeClr val="bg2"/>
                 </a:solidFill>
               </a:rPr>
-              <a:t>Use Case 10: Split Quote</a:t>
+              <a:t>Use Case 11: Slider16</a:t>
             </a:r>
             <a:endParaRPr lang="en-US" dirty="0">
               <a:solidFill>
@@ -6650,8 +6649,8 @@
         </p:nvSpPr>
         <p:spPr>
           <a:xfrm>
-            <a:off x="304800" y="5389043"/>
-            <a:ext cx="8212505" cy="830997"/>
+            <a:off x="228600" y="4652666"/>
+            <a:ext cx="7848600" cy="1569660"/>
           </a:xfrm>
           <a:prstGeom prst="rect">
             <a:avLst/>
@@ -6659,7 +6658,7 @@
           <a:noFill/>
         </p:spPr>
         <p:txBody>
-          <a:bodyPr wrap="none" rtlCol="0">
+          <a:bodyPr wrap="square" rtlCol="0">
             <a:spAutoFit/>
           </a:bodyPr>
           <a:lstStyle/>
@@ -6670,7 +6669,7 @@
                   <a:schemeClr val="bg2"/>
                 </a:solidFill>
               </a:rPr>
-              <a:t>Introduce the color selections, color presets, column length</a:t>
+              <a:t>Puzzle generation is good.</a:t>
             </a:r>
           </a:p>
           <a:p>
@@ -6680,17 +6679,27 @@
                   <a:schemeClr val="bg2"/>
                 </a:solidFill>
               </a:rPr>
-              <a:t>To this page.</a:t>
+              <a:t>Just support the color selections and preset.</a:t>
+            </a:r>
+          </a:p>
+          <a:p>
+            <a:r>
+              <a:rPr lang="en-US" dirty="0">
+                <a:solidFill>
+                  <a:schemeClr val="bg2"/>
+                </a:solidFill>
+              </a:rPr>
+              <a:t>And in the play mode (from HOME page), we need to support tracking the time and number of moves.</a:t>
             </a:r>
           </a:p>
         </p:txBody>
       </p:sp>
       <p:pic>
         <p:nvPicPr>
-          <p:cNvPr id="6" name="Picture 5">
-            <a:extLst>
-              <a:ext uri="{FF2B5EF4-FFF2-40B4-BE49-F238E27FC236}">
-                <a16:creationId xmlns:a16="http://schemas.microsoft.com/office/drawing/2014/main" id="{EA490642-8327-443C-BFA5-856C92C17091}"/>
+          <p:cNvPr id="7" name="Picture 6">
+            <a:extLst>
+              <a:ext uri="{FF2B5EF4-FFF2-40B4-BE49-F238E27FC236}">
+                <a16:creationId xmlns:a16="http://schemas.microsoft.com/office/drawing/2014/main" id="{A5BE7DFE-38EC-4CE8-A02F-FC83C27194C2}"/>
               </a:ext>
             </a:extLst>
           </p:cNvPr>
@@ -6707,8 +6716,8 @@
         </p:blipFill>
         <p:spPr>
           <a:xfrm>
-            <a:off x="0" y="1500380"/>
-            <a:ext cx="9144000" cy="3857240"/>
+            <a:off x="2514600" y="890216"/>
+            <a:ext cx="2950890" cy="3576637"/>
           </a:xfrm>
           <a:prstGeom prst="rect">
             <a:avLst/>
@@ -6718,7 +6727,7 @@
     </p:spTree>
     <p:extLst>
       <p:ext uri="{BB962C8B-B14F-4D97-AF65-F5344CB8AC3E}">
-        <p14:creationId xmlns:p14="http://schemas.microsoft.com/office/powerpoint/2010/main" val="1967252058"/>
+        <p14:creationId xmlns:p14="http://schemas.microsoft.com/office/powerpoint/2010/main" val="2796419279"/>
       </p:ext>
     </p:extLst>
   </p:cSld>
@@ -6820,7 +6829,7 @@
                   <a:schemeClr val="bg2"/>
                 </a:solidFill>
               </a:rPr>
-              <a:t>Use Case 11: Slider16</a:t>
+              <a:t>Use Case 12: Slider16</a:t>
             </a:r>
             <a:endParaRPr lang="en-US" dirty="0">
               <a:solidFill>
@@ -6844,8 +6853,8 @@
         </p:nvSpPr>
         <p:spPr>
           <a:xfrm>
-            <a:off x="228600" y="4652666"/>
-            <a:ext cx="7848600" cy="1569660"/>
+            <a:off x="914400" y="3429000"/>
+            <a:ext cx="6153479" cy="461665"/>
           </a:xfrm>
           <a:prstGeom prst="rect">
             <a:avLst/>
@@ -6853,7 +6862,7 @@
           <a:noFill/>
         </p:spPr>
         <p:txBody>
-          <a:bodyPr wrap="square" rtlCol="0">
+          <a:bodyPr wrap="none" rtlCol="0">
             <a:spAutoFit/>
           </a:bodyPr>
           <a:lstStyle/>
@@ -6864,37 +6873,17 @@
                   <a:schemeClr val="bg2"/>
                 </a:solidFill>
               </a:rPr>
-              <a:t>Puzzle generation is good.</a:t>
-            </a:r>
-          </a:p>
-          <a:p>
-            <a:r>
-              <a:rPr lang="en-US" dirty="0">
-                <a:solidFill>
-                  <a:schemeClr val="bg2"/>
-                </a:solidFill>
-              </a:rPr>
-              <a:t>Just support the color selections and preset.</a:t>
-            </a:r>
-          </a:p>
-          <a:p>
-            <a:r>
-              <a:rPr lang="en-US" dirty="0">
-                <a:solidFill>
-                  <a:schemeClr val="bg2"/>
-                </a:solidFill>
-              </a:rPr>
-              <a:t>And in the play mode (from HOME page), we need to support tracking the time and number of moves.</a:t>
+              <a:t>Slider16 is giving these errors. This is a bug</a:t>
             </a:r>
           </a:p>
         </p:txBody>
       </p:sp>
       <p:pic>
         <p:nvPicPr>
-          <p:cNvPr id="7" name="Picture 6">
-            <a:extLst>
-              <a:ext uri="{FF2B5EF4-FFF2-40B4-BE49-F238E27FC236}">
-                <a16:creationId xmlns:a16="http://schemas.microsoft.com/office/drawing/2014/main" id="{A5BE7DFE-38EC-4CE8-A02F-FC83C27194C2}"/>
+          <p:cNvPr id="3" name="Picture 2">
+            <a:extLst>
+              <a:ext uri="{FF2B5EF4-FFF2-40B4-BE49-F238E27FC236}">
+                <a16:creationId xmlns:a16="http://schemas.microsoft.com/office/drawing/2014/main" id="{5A32035D-DAD0-40AC-A310-1BC2307D5FF6}"/>
               </a:ext>
             </a:extLst>
           </p:cNvPr>
@@ -6911,8 +6900,8 @@
         </p:blipFill>
         <p:spPr>
           <a:xfrm>
-            <a:off x="2514600" y="890216"/>
-            <a:ext cx="2950890" cy="3576637"/>
+            <a:off x="152400" y="1447800"/>
+            <a:ext cx="9144000" cy="1302469"/>
           </a:xfrm>
           <a:prstGeom prst="rect">
             <a:avLst/>
@@ -6922,7 +6911,7 @@
     </p:spTree>
     <p:extLst>
       <p:ext uri="{BB962C8B-B14F-4D97-AF65-F5344CB8AC3E}">
-        <p14:creationId xmlns:p14="http://schemas.microsoft.com/office/powerpoint/2010/main" val="2796419279"/>
+        <p14:creationId xmlns:p14="http://schemas.microsoft.com/office/powerpoint/2010/main" val="3238278907"/>
       </p:ext>
     </p:extLst>
   </p:cSld>
@@ -7006,7 +6995,7 @@
         <p:spPr>
           <a:xfrm>
             <a:off x="1066800" y="242739"/>
-            <a:ext cx="3368871" cy="461665"/>
+            <a:ext cx="4413388" cy="461665"/>
           </a:xfrm>
           <a:prstGeom prst="rect">
             <a:avLst/>
@@ -7024,7 +7013,7 @@
                   <a:schemeClr val="bg2"/>
                 </a:solidFill>
               </a:rPr>
-              <a:t>Use Case 12: Slider16</a:t>
+              <a:t>Use Case 13: Catch a Phrase</a:t>
             </a:r>
             <a:endParaRPr lang="en-US" dirty="0">
               <a:solidFill>
@@ -7036,10 +7025,10 @@
       </p:sp>
       <p:sp>
         <p:nvSpPr>
-          <p:cNvPr id="5" name="TextBox 4">
-            <a:extLst>
-              <a:ext uri="{FF2B5EF4-FFF2-40B4-BE49-F238E27FC236}">
-                <a16:creationId xmlns:a16="http://schemas.microsoft.com/office/drawing/2014/main" id="{25F83C02-D581-4EE2-A6CC-96AE0D241479}"/>
+          <p:cNvPr id="7" name="TextBox 6">
+            <a:extLst>
+              <a:ext uri="{FF2B5EF4-FFF2-40B4-BE49-F238E27FC236}">
+                <a16:creationId xmlns:a16="http://schemas.microsoft.com/office/drawing/2014/main" id="{10D83526-0FE2-478F-A2E9-AD97E8DD459E}"/>
               </a:ext>
             </a:extLst>
           </p:cNvPr>
@@ -7048,8 +7037,8 @@
         </p:nvSpPr>
         <p:spPr>
           <a:xfrm>
-            <a:off x="914400" y="3429000"/>
-            <a:ext cx="6153479" cy="461665"/>
+            <a:off x="1981200" y="2514600"/>
+            <a:ext cx="3900427" cy="830997"/>
           </a:xfrm>
           <a:prstGeom prst="rect">
             <a:avLst/>
@@ -7068,45 +7057,25 @@
                   <a:schemeClr val="bg2"/>
                 </a:solidFill>
               </a:rPr>
-              <a:t>Slider16 is giving these errors. This is a bug</a:t>
-            </a:r>
-          </a:p>
-        </p:txBody>
-      </p:sp>
-      <p:pic>
-        <p:nvPicPr>
-          <p:cNvPr id="3" name="Picture 2">
-            <a:extLst>
-              <a:ext uri="{FF2B5EF4-FFF2-40B4-BE49-F238E27FC236}">
-                <a16:creationId xmlns:a16="http://schemas.microsoft.com/office/drawing/2014/main" id="{5A32035D-DAD0-40AC-A310-1BC2307D5FF6}"/>
-              </a:ext>
-            </a:extLst>
-          </p:cNvPr>
-          <p:cNvPicPr>
-            <a:picLocks noChangeAspect="1"/>
-          </p:cNvPicPr>
-          <p:nvPr/>
-        </p:nvPicPr>
-        <p:blipFill>
-          <a:blip r:embed="rId2"/>
-          <a:stretch>
-            <a:fillRect/>
-          </a:stretch>
-        </p:blipFill>
-        <p:spPr>
-          <a:xfrm>
-            <a:off x="152400" y="1447800"/>
-            <a:ext cx="9144000" cy="1302469"/>
-          </a:xfrm>
-          <a:prstGeom prst="rect">
-            <a:avLst/>
-          </a:prstGeom>
-        </p:spPr>
-      </p:pic>
+              <a:t>Puzzle generation is good. </a:t>
+            </a:r>
+          </a:p>
+          <a:p>
+            <a:r>
+              <a:rPr lang="en-US" dirty="0">
+                <a:solidFill>
+                  <a:schemeClr val="bg2"/>
+                </a:solidFill>
+              </a:rPr>
+              <a:t>Nothing to do here.</a:t>
+            </a:r>
+          </a:p>
+        </p:txBody>
+      </p:sp>
     </p:spTree>
     <p:extLst>
       <p:ext uri="{BB962C8B-B14F-4D97-AF65-F5344CB8AC3E}">
-        <p14:creationId xmlns:p14="http://schemas.microsoft.com/office/powerpoint/2010/main" val="3238278907"/>
+        <p14:creationId xmlns:p14="http://schemas.microsoft.com/office/powerpoint/2010/main" val="1115459139"/>
       </p:ext>
     </p:extLst>
   </p:cSld>
@@ -7138,49 +7107,195 @@
       </p:grpSpPr>
       <p:sp>
         <p:nvSpPr>
-          <p:cNvPr id="2" name="Slide Number Placeholder 1">
-            <a:extLst>
-              <a:ext uri="{FF2B5EF4-FFF2-40B4-BE49-F238E27FC236}">
-                <a16:creationId xmlns:a16="http://schemas.microsoft.com/office/drawing/2014/main" id="{E7845A8E-C301-459F-A14D-028E56914551}"/>
+          <p:cNvPr id="2" name="Rectangle 2">
+            <a:extLst>
+              <a:ext uri="{FF2B5EF4-FFF2-40B4-BE49-F238E27FC236}">
+                <a16:creationId xmlns:a16="http://schemas.microsoft.com/office/drawing/2014/main" id="{78B07709-97CC-42A8-9B23-59FCDC8FAE05}"/>
               </a:ext>
             </a:extLst>
           </p:cNvPr>
           <p:cNvSpPr>
-            <a:spLocks noGrp="1"/>
+            <a:spLocks noChangeArrowheads="1"/>
           </p:cNvSpPr>
-          <p:nvPr>
-            <p:ph type="sldNum" sz="quarter" idx="11"/>
-          </p:nvPr>
-        </p:nvSpPr>
-        <p:spPr/>
-        <p:txBody>
-          <a:bodyPr/>
+          <p:nvPr/>
+        </p:nvSpPr>
+        <p:spPr bwMode="auto">
+          <a:xfrm>
+            <a:off x="0" y="0"/>
+            <a:ext cx="9144000" cy="0"/>
+          </a:xfrm>
+          <a:prstGeom prst="rect">
+            <a:avLst/>
+          </a:prstGeom>
+          <a:noFill/>
+          <a:ln>
+            <a:noFill/>
+          </a:ln>
+          <a:effectLst>
+            <a:prstShdw prst="shdw17" dist="17961" dir="2700000">
+              <a:schemeClr val="accent1">
+                <a:gamma/>
+                <a:shade val="60000"/>
+                <a:invGamma/>
+              </a:schemeClr>
+            </a:prstShdw>
+          </a:effectLst>
+          <a:extLst>
+            <a:ext uri="{909E8E84-426E-40DD-AFC4-6F175D3DCCD1}">
+              <a14:hiddenFill xmlns:a14="http://schemas.microsoft.com/office/drawing/2010/main">
+                <a:solidFill>
+                  <a:schemeClr val="accent1"/>
+                </a:solidFill>
+              </a14:hiddenFill>
+            </a:ext>
+            <a:ext uri="{91240B29-F687-4F45-9708-019B960494DF}">
+              <a14:hiddenLine xmlns:a14="http://schemas.microsoft.com/office/drawing/2010/main" w="12700" cap="flat" cmpd="sng">
+                <a:solidFill>
+                  <a:schemeClr val="tx1"/>
+                </a:solidFill>
+                <a:prstDash val="solid"/>
+                <a:miter lim="800000"/>
+                <a:headEnd type="none" w="sm" len="sm"/>
+                <a:tailEnd type="none" w="sm" len="sm"/>
+              </a14:hiddenLine>
+            </a:ext>
+          </a:extLst>
+        </p:spPr>
+        <p:txBody>
+          <a:bodyPr wrap="none" anchor="ctr">
+            <a:spAutoFit/>
+          </a:bodyPr>
           <a:lstStyle/>
           <a:p>
             <a:pPr>
               <a:defRPr/>
             </a:pPr>
-            <a:fld id="{55707887-EE06-4E3F-9515-1ED64E674293}" type="slidenum">
-              <a:rPr lang="en-GB" smtClean="0"/>
-              <a:pPr>
-                <a:defRPr/>
-              </a:pPr>
-              <a:t>25</a:t>
-            </a:fld>
-            <a:endParaRPr lang="en-GB">
-              <a:solidFill>
-                <a:srgbClr val="FFFFFF"/>
-              </a:solidFill>
-            </a:endParaRPr>
-          </a:p>
-        </p:txBody>
-      </p:sp>
-      <p:sp>
-        <p:nvSpPr>
-          <p:cNvPr id="4" name="Rectangle 3">
-            <a:extLst>
-              <a:ext uri="{FF2B5EF4-FFF2-40B4-BE49-F238E27FC236}">
-                <a16:creationId xmlns:a16="http://schemas.microsoft.com/office/drawing/2014/main" id="{AB2473F2-D5A3-49F5-BE1D-A2CE4CD25079}"/>
+            <a:endParaRPr lang="en-US">
+              <a:cs typeface="+mn-cs"/>
+            </a:endParaRPr>
+          </a:p>
+        </p:txBody>
+      </p:sp>
+      <p:sp>
+        <p:nvSpPr>
+          <p:cNvPr id="6" name="TextBox 5">
+            <a:extLst>
+              <a:ext uri="{FF2B5EF4-FFF2-40B4-BE49-F238E27FC236}">
+                <a16:creationId xmlns:a16="http://schemas.microsoft.com/office/drawing/2014/main" id="{7FB9AC0E-8734-4613-976B-11D0BEFFF939}"/>
+              </a:ext>
+            </a:extLst>
+          </p:cNvPr>
+          <p:cNvSpPr txBox="1"/>
+          <p:nvPr/>
+        </p:nvSpPr>
+        <p:spPr>
+          <a:xfrm>
+            <a:off x="1066800" y="157742"/>
+            <a:ext cx="7992386" cy="369332"/>
+          </a:xfrm>
+          <a:prstGeom prst="rect">
+            <a:avLst/>
+          </a:prstGeom>
+          <a:noFill/>
+        </p:spPr>
+        <p:txBody>
+          <a:bodyPr wrap="square" rtlCol="0">
+            <a:spAutoFit/>
+          </a:bodyPr>
+          <a:lstStyle/>
+          <a:p>
+            <a:r>
+              <a:rPr lang="en-US" sz="1800" b="1" dirty="0">
+                <a:solidFill>
+                  <a:schemeClr val="bg2"/>
+                </a:solidFill>
+              </a:rPr>
+              <a:t>Use Case 14: Home Page</a:t>
+            </a:r>
+            <a:endParaRPr lang="en-US" sz="1800" dirty="0">
+              <a:solidFill>
+                <a:schemeClr val="bg2"/>
+              </a:solidFill>
+            </a:endParaRPr>
+          </a:p>
+        </p:txBody>
+      </p:sp>
+      <p:sp>
+        <p:nvSpPr>
+          <p:cNvPr id="5" name="TextBox 4">
+            <a:extLst>
+              <a:ext uri="{FF2B5EF4-FFF2-40B4-BE49-F238E27FC236}">
+                <a16:creationId xmlns:a16="http://schemas.microsoft.com/office/drawing/2014/main" id="{9A62147A-50A0-48C5-A7A5-AF2497E61EB5}"/>
+              </a:ext>
+            </a:extLst>
+          </p:cNvPr>
+          <p:cNvSpPr txBox="1"/>
+          <p:nvPr/>
+        </p:nvSpPr>
+        <p:spPr>
+          <a:xfrm>
+            <a:off x="211318" y="1253996"/>
+            <a:ext cx="7992386" cy="1323439"/>
+          </a:xfrm>
+          <a:prstGeom prst="rect">
+            <a:avLst/>
+          </a:prstGeom>
+          <a:noFill/>
+        </p:spPr>
+        <p:txBody>
+          <a:bodyPr wrap="square" rtlCol="0">
+            <a:spAutoFit/>
+          </a:bodyPr>
+          <a:lstStyle/>
+          <a:p>
+            <a:r>
+              <a:rPr lang="en-US" sz="1600" dirty="0">
+                <a:solidFill>
+                  <a:schemeClr val="bg2"/>
+                </a:solidFill>
+              </a:rPr>
+              <a:t>All games are dynamically generated for the users/visitors to play.</a:t>
+            </a:r>
+          </a:p>
+          <a:p>
+            <a:endParaRPr lang="en-US" sz="1600" dirty="0">
+              <a:solidFill>
+                <a:schemeClr val="bg2"/>
+              </a:solidFill>
+            </a:endParaRPr>
+          </a:p>
+          <a:p>
+            <a:r>
+              <a:rPr lang="en-US" sz="1600" dirty="0">
+                <a:solidFill>
+                  <a:schemeClr val="bg2"/>
+                </a:solidFill>
+              </a:rPr>
+              <a:t>Each game relies on a predefined preference</a:t>
+            </a:r>
+          </a:p>
+          <a:p>
+            <a:endParaRPr lang="en-US" sz="1600" dirty="0">
+              <a:solidFill>
+                <a:schemeClr val="bg2"/>
+              </a:solidFill>
+            </a:endParaRPr>
+          </a:p>
+          <a:p>
+            <a:endParaRPr lang="en-US" sz="1600" dirty="0">
+              <a:solidFill>
+                <a:schemeClr val="bg2"/>
+              </a:solidFill>
+            </a:endParaRPr>
+          </a:p>
+        </p:txBody>
+      </p:sp>
+      <p:sp>
+        <p:nvSpPr>
+          <p:cNvPr id="3" name="Rectangle 2">
+            <a:extLst>
+              <a:ext uri="{FF2B5EF4-FFF2-40B4-BE49-F238E27FC236}">
+                <a16:creationId xmlns:a16="http://schemas.microsoft.com/office/drawing/2014/main" id="{B7AA879C-2DDC-4D48-866E-5C402500A1A1}"/>
               </a:ext>
             </a:extLst>
           </p:cNvPr>
@@ -7189,8 +7304,8 @@
         </p:nvSpPr>
         <p:spPr>
           <a:xfrm>
-            <a:off x="1066800" y="242739"/>
-            <a:ext cx="4413388" cy="461665"/>
+            <a:off x="210532" y="1085902"/>
+            <a:ext cx="184731" cy="461665"/>
           </a:xfrm>
           <a:prstGeom prst="rect">
             <a:avLst/>
@@ -7202,84 +7317,55 @@
           </a:bodyPr>
           <a:lstStyle/>
           <a:p>
-            <a:r>
-              <a:rPr lang="en-US" b="1" dirty="0">
-                <a:solidFill>
-                  <a:schemeClr val="bg2"/>
-                </a:solidFill>
-              </a:rPr>
-              <a:t>Use Case 13: Catch a Phrase</a:t>
-            </a:r>
             <a:endParaRPr lang="en-US" dirty="0">
               <a:solidFill>
-                <a:schemeClr val="bg2"/>
-              </a:solidFill>
-            </a:endParaRPr>
-          </a:p>
-        </p:txBody>
-      </p:sp>
-      <p:sp>
-        <p:nvSpPr>
-          <p:cNvPr id="7" name="TextBox 6">
-            <a:extLst>
-              <a:ext uri="{FF2B5EF4-FFF2-40B4-BE49-F238E27FC236}">
-                <a16:creationId xmlns:a16="http://schemas.microsoft.com/office/drawing/2014/main" id="{10D83526-0FE2-478F-A2E9-AD97E8DD459E}"/>
-              </a:ext>
-            </a:extLst>
-          </p:cNvPr>
-          <p:cNvSpPr txBox="1"/>
+                <a:srgbClr val="FF0000"/>
+              </a:solidFill>
+            </a:endParaRPr>
+          </a:p>
+        </p:txBody>
+      </p:sp>
+      <p:pic>
+        <p:nvPicPr>
+          <p:cNvPr id="4" name="Picture 3">
+            <a:extLst>
+              <a:ext uri="{FF2B5EF4-FFF2-40B4-BE49-F238E27FC236}">
+                <a16:creationId xmlns:a16="http://schemas.microsoft.com/office/drawing/2014/main" id="{329F9C26-C02A-47FD-B8DA-D9FB29CE1D5D}"/>
+              </a:ext>
+            </a:extLst>
+          </p:cNvPr>
+          <p:cNvPicPr>
+            <a:picLocks noChangeAspect="1"/>
+          </p:cNvPicPr>
           <p:nvPr/>
-        </p:nvSpPr>
+        </p:nvPicPr>
+        <p:blipFill>
+          <a:blip r:embed="rId2"/>
+          <a:stretch>
+            <a:fillRect/>
+          </a:stretch>
+        </p:blipFill>
         <p:spPr>
           <a:xfrm>
-            <a:off x="1981200" y="2514600"/>
-            <a:ext cx="3900427" cy="830997"/>
-          </a:xfrm>
-          <a:prstGeom prst="rect">
-            <a:avLst/>
-          </a:prstGeom>
-          <a:noFill/>
-        </p:spPr>
-        <p:txBody>
-          <a:bodyPr wrap="none" rtlCol="0">
-            <a:spAutoFit/>
-          </a:bodyPr>
-          <a:lstStyle/>
-          <a:p>
-            <a:r>
-              <a:rPr lang="en-US" dirty="0">
-                <a:solidFill>
-                  <a:schemeClr val="bg2"/>
-                </a:solidFill>
-              </a:rPr>
-              <a:t>Puzzle generation is good. </a:t>
-            </a:r>
-          </a:p>
-          <a:p>
-            <a:r>
-              <a:rPr lang="en-US" dirty="0">
-                <a:solidFill>
-                  <a:schemeClr val="bg2"/>
-                </a:solidFill>
-              </a:rPr>
-              <a:t>Nothing to do here.</a:t>
-            </a:r>
-          </a:p>
-        </p:txBody>
-      </p:sp>
+            <a:off x="190893" y="2322420"/>
+            <a:ext cx="8057561" cy="3528390"/>
+          </a:xfrm>
+          <a:prstGeom prst="rect">
+            <a:avLst/>
+          </a:prstGeom>
+        </p:spPr>
+      </p:pic>
     </p:spTree>
     <p:extLst>
       <p:ext uri="{BB962C8B-B14F-4D97-AF65-F5344CB8AC3E}">
-        <p14:creationId xmlns:p14="http://schemas.microsoft.com/office/powerpoint/2010/main" val="1115459139"/>
+        <p14:creationId xmlns:p14="http://schemas.microsoft.com/office/powerpoint/2010/main" val="1239394947"/>
       </p:ext>
     </p:extLst>
   </p:cSld>
   <p:clrMapOvr>
     <a:masterClrMapping/>
   </p:clrMapOvr>
-  <p:transition>
-    <p:wipe dir="r"/>
-  </p:transition>
+  <p:transition/>
 </p:sld>
 </file>
 
@@ -7302,81 +7388,92 @@
       </p:grpSpPr>
       <p:sp>
         <p:nvSpPr>
-          <p:cNvPr id="2" name="Rectangle 2">
-            <a:extLst>
-              <a:ext uri="{FF2B5EF4-FFF2-40B4-BE49-F238E27FC236}">
-                <a16:creationId xmlns:a16="http://schemas.microsoft.com/office/drawing/2014/main" id="{78B07709-97CC-42A8-9B23-59FCDC8FAE05}"/>
+          <p:cNvPr id="2" name="Slide Number Placeholder 1">
+            <a:extLst>
+              <a:ext uri="{FF2B5EF4-FFF2-40B4-BE49-F238E27FC236}">
+                <a16:creationId xmlns:a16="http://schemas.microsoft.com/office/drawing/2014/main" id="{E7845A8E-C301-459F-A14D-028E56914551}"/>
               </a:ext>
             </a:extLst>
           </p:cNvPr>
           <p:cNvSpPr>
-            <a:spLocks noChangeArrowheads="1"/>
+            <a:spLocks noGrp="1"/>
           </p:cNvSpPr>
+          <p:nvPr>
+            <p:ph type="sldNum" sz="quarter" idx="11"/>
+          </p:nvPr>
+        </p:nvSpPr>
+        <p:spPr/>
+        <p:txBody>
+          <a:bodyPr/>
+          <a:lstStyle/>
+          <a:p>
+            <a:pPr>
+              <a:defRPr/>
+            </a:pPr>
+            <a:fld id="{55707887-EE06-4E3F-9515-1ED64E674293}" type="slidenum">
+              <a:rPr lang="en-GB" smtClean="0"/>
+              <a:pPr>
+                <a:defRPr/>
+              </a:pPr>
+              <a:t>26</a:t>
+            </a:fld>
+            <a:endParaRPr lang="en-GB">
+              <a:solidFill>
+                <a:srgbClr val="FFFFFF"/>
+              </a:solidFill>
+            </a:endParaRPr>
+          </a:p>
+        </p:txBody>
+      </p:sp>
+      <p:sp>
+        <p:nvSpPr>
+          <p:cNvPr id="4" name="Rectangle 3">
+            <a:extLst>
+              <a:ext uri="{FF2B5EF4-FFF2-40B4-BE49-F238E27FC236}">
+                <a16:creationId xmlns:a16="http://schemas.microsoft.com/office/drawing/2014/main" id="{AB2473F2-D5A3-49F5-BE1D-A2CE4CD25079}"/>
+              </a:ext>
+            </a:extLst>
+          </p:cNvPr>
+          <p:cNvSpPr/>
           <p:nvPr/>
         </p:nvSpPr>
-        <p:spPr bwMode="auto">
-          <a:xfrm>
-            <a:off x="0" y="0"/>
-            <a:ext cx="9144000" cy="0"/>
-          </a:xfrm>
-          <a:prstGeom prst="rect">
-            <a:avLst/>
-          </a:prstGeom>
-          <a:noFill/>
-          <a:ln>
-            <a:noFill/>
-          </a:ln>
-          <a:effectLst>
-            <a:prstShdw prst="shdw17" dist="17961" dir="2700000">
-              <a:schemeClr val="accent1">
-                <a:gamma/>
-                <a:shade val="60000"/>
-                <a:invGamma/>
-              </a:schemeClr>
-            </a:prstShdw>
-          </a:effectLst>
-          <a:extLst>
-            <a:ext uri="{909E8E84-426E-40DD-AFC4-6F175D3DCCD1}">
-              <a14:hiddenFill xmlns:a14="http://schemas.microsoft.com/office/drawing/2010/main">
-                <a:solidFill>
-                  <a:schemeClr val="accent1"/>
-                </a:solidFill>
-              </a14:hiddenFill>
-            </a:ext>
-            <a:ext uri="{91240B29-F687-4F45-9708-019B960494DF}">
-              <a14:hiddenLine xmlns:a14="http://schemas.microsoft.com/office/drawing/2010/main" w="12700" cap="flat" cmpd="sng">
-                <a:solidFill>
-                  <a:schemeClr val="tx1"/>
-                </a:solidFill>
-                <a:prstDash val="solid"/>
-                <a:miter lim="800000"/>
-                <a:headEnd type="none" w="sm" len="sm"/>
-                <a:tailEnd type="none" w="sm" len="sm"/>
-              </a14:hiddenLine>
-            </a:ext>
-          </a:extLst>
-        </p:spPr>
-        <p:txBody>
-          <a:bodyPr wrap="none" anchor="ctr">
+        <p:spPr>
+          <a:xfrm>
+            <a:off x="1066800" y="242739"/>
+            <a:ext cx="6768199" cy="461665"/>
+          </a:xfrm>
+          <a:prstGeom prst="rect">
+            <a:avLst/>
+          </a:prstGeom>
+        </p:spPr>
+        <p:txBody>
+          <a:bodyPr wrap="none">
             <a:spAutoFit/>
           </a:bodyPr>
           <a:lstStyle/>
           <a:p>
-            <a:pPr>
-              <a:defRPr/>
-            </a:pPr>
-            <a:endParaRPr lang="en-US">
-              <a:cs typeface="+mn-cs"/>
-            </a:endParaRPr>
-          </a:p>
-        </p:txBody>
-      </p:sp>
-      <p:sp>
-        <p:nvSpPr>
-          <p:cNvPr id="6" name="TextBox 5">
-            <a:extLst>
-              <a:ext uri="{FF2B5EF4-FFF2-40B4-BE49-F238E27FC236}">
-                <a16:creationId xmlns:a16="http://schemas.microsoft.com/office/drawing/2014/main" id="{7FB9AC0E-8734-4613-976B-11D0BEFFF939}"/>
+            <a:r>
+              <a:rPr lang="en-US" b="1" dirty="0">
+                <a:solidFill>
+                  <a:schemeClr val="bg2"/>
+                </a:solidFill>
+              </a:rPr>
+              <a:t>Use Case 15: Support for “Batch” generation</a:t>
+            </a:r>
+            <a:endParaRPr lang="en-US" dirty="0">
+              <a:solidFill>
+                <a:schemeClr val="bg2"/>
+              </a:solidFill>
+            </a:endParaRPr>
+          </a:p>
+        </p:txBody>
+      </p:sp>
+      <p:sp>
+        <p:nvSpPr>
+          <p:cNvPr id="7" name="TextBox 6">
+            <a:extLst>
+              <a:ext uri="{FF2B5EF4-FFF2-40B4-BE49-F238E27FC236}">
+                <a16:creationId xmlns:a16="http://schemas.microsoft.com/office/drawing/2014/main" id="{10D83526-0FE2-478F-A2E9-AD97E8DD459E}"/>
               </a:ext>
             </a:extLst>
           </p:cNvPr>
@@ -7385,8 +7482,8 @@
         </p:nvSpPr>
         <p:spPr>
           <a:xfrm>
-            <a:off x="1066800" y="157742"/>
-            <a:ext cx="7992386" cy="369332"/>
+            <a:off x="381001" y="1524000"/>
+            <a:ext cx="8534400" cy="4893647"/>
           </a:xfrm>
           <a:prstGeom prst="rect">
             <a:avLst/>
@@ -7400,60 +7497,23 @@
           <a:lstStyle/>
           <a:p>
             <a:r>
-              <a:rPr lang="en-US" sz="1800" b="1" dirty="0">
-                <a:solidFill>
-                  <a:schemeClr val="bg2"/>
-                </a:solidFill>
-              </a:rPr>
-              <a:t>Use Case 14: Home Page</a:t>
-            </a:r>
-            <a:endParaRPr lang="en-US" sz="1800" dirty="0">
+              <a:rPr lang="en-US" dirty="0">
+                <a:solidFill>
+                  <a:schemeClr val="bg2"/>
+                </a:solidFill>
+              </a:rPr>
+              <a:t>Once the user clicks Batch, the form shows two field.</a:t>
+            </a:r>
+          </a:p>
+          <a:p>
+            <a:endParaRPr lang="en-US" dirty="0">
               <a:solidFill>
                 <a:schemeClr val="bg2"/>
               </a:solidFill>
             </a:endParaRPr>
           </a:p>
-        </p:txBody>
-      </p:sp>
-      <p:sp>
-        <p:nvSpPr>
-          <p:cNvPr id="5" name="TextBox 4">
-            <a:extLst>
-              <a:ext uri="{FF2B5EF4-FFF2-40B4-BE49-F238E27FC236}">
-                <a16:creationId xmlns:a16="http://schemas.microsoft.com/office/drawing/2014/main" id="{9A62147A-50A0-48C5-A7A5-AF2497E61EB5}"/>
-              </a:ext>
-            </a:extLst>
-          </p:cNvPr>
-          <p:cNvSpPr txBox="1"/>
-          <p:nvPr/>
-        </p:nvSpPr>
-        <p:spPr>
-          <a:xfrm>
-            <a:off x="211318" y="1253996"/>
-            <a:ext cx="7992386" cy="1323439"/>
-          </a:xfrm>
-          <a:prstGeom prst="rect">
-            <a:avLst/>
-          </a:prstGeom>
-          <a:noFill/>
-        </p:spPr>
-        <p:txBody>
-          <a:bodyPr wrap="square" rtlCol="0">
-            <a:spAutoFit/>
-          </a:bodyPr>
-          <a:lstStyle/>
-          <a:p>
-            <a:r>
-              <a:rPr lang="en-US" sz="1600" dirty="0">
-                <a:solidFill>
-                  <a:schemeClr val="bg2"/>
-                </a:solidFill>
-              </a:rPr>
-              <a:t>All games are dynamically generated for the users/visitors to play.</a:t>
-            </a:r>
-          </a:p>
-          <a:p>
-            <a:endParaRPr lang="en-US" sz="1600" dirty="0">
+          <a:p>
+            <a:endParaRPr lang="en-US" dirty="0">
               <a:solidFill>
                 <a:schemeClr val="bg2"/>
               </a:solidFill>
@@ -7461,106 +7521,73 @@
           </a:p>
           <a:p>
             <a:r>
-              <a:rPr lang="en-US" sz="1600" dirty="0">
-                <a:solidFill>
-                  <a:schemeClr val="bg2"/>
-                </a:solidFill>
-              </a:rPr>
-              <a:t>Each game relies on a predefined preference</a:t>
-            </a:r>
-          </a:p>
-          <a:p>
-            <a:endParaRPr lang="en-US" sz="1600" dirty="0">
+              <a:rPr lang="en-US" dirty="0">
+                <a:solidFill>
+                  <a:schemeClr val="bg2"/>
+                </a:solidFill>
+              </a:rPr>
+              <a:t>Which game you want to generate? [    ] (Pulldown list of games)</a:t>
+            </a:r>
+          </a:p>
+          <a:p>
+            <a:r>
+              <a:rPr lang="en-US" dirty="0">
+                <a:solidFill>
+                  <a:schemeClr val="bg2"/>
+                </a:solidFill>
+              </a:rPr>
+              <a:t>What is the starting quote ID: [     ]</a:t>
+            </a:r>
+          </a:p>
+          <a:p>
+            <a:r>
+              <a:rPr lang="en-US" dirty="0">
+                <a:solidFill>
+                  <a:schemeClr val="bg2"/>
+                </a:solidFill>
+              </a:rPr>
+              <a:t>What is the ending quote ID:  [     ]</a:t>
+            </a:r>
+          </a:p>
+          <a:p>
+            <a:endParaRPr lang="en-US" dirty="0">
               <a:solidFill>
                 <a:schemeClr val="bg2"/>
               </a:solidFill>
             </a:endParaRPr>
           </a:p>
           <a:p>
-            <a:endParaRPr lang="en-US" sz="1600" dirty="0">
+            <a:endParaRPr lang="en-US" dirty="0">
               <a:solidFill>
                 <a:schemeClr val="bg2"/>
               </a:solidFill>
             </a:endParaRPr>
           </a:p>
-        </p:txBody>
-      </p:sp>
-      <p:sp>
-        <p:nvSpPr>
-          <p:cNvPr id="3" name="Rectangle 2">
-            <a:extLst>
-              <a:ext uri="{FF2B5EF4-FFF2-40B4-BE49-F238E27FC236}">
-                <a16:creationId xmlns:a16="http://schemas.microsoft.com/office/drawing/2014/main" id="{B7AA879C-2DDC-4D48-866E-5C402500A1A1}"/>
-              </a:ext>
-            </a:extLst>
-          </p:cNvPr>
-          <p:cNvSpPr/>
-          <p:nvPr/>
-        </p:nvSpPr>
-        <p:spPr>
-          <a:xfrm>
-            <a:off x="210532" y="1085902"/>
-            <a:ext cx="184731" cy="461665"/>
-          </a:xfrm>
-          <a:prstGeom prst="rect">
-            <a:avLst/>
-          </a:prstGeom>
-        </p:spPr>
-        <p:txBody>
-          <a:bodyPr wrap="none">
-            <a:spAutoFit/>
-          </a:bodyPr>
-          <a:lstStyle/>
-          <a:p>
-            <a:endParaRPr lang="en-US" dirty="0">
-              <a:solidFill>
-                <a:srgbClr val="FF0000"/>
-              </a:solidFill>
-            </a:endParaRPr>
-          </a:p>
-        </p:txBody>
-      </p:sp>
-      <p:pic>
-        <p:nvPicPr>
-          <p:cNvPr id="4" name="Picture 3">
-            <a:extLst>
-              <a:ext uri="{FF2B5EF4-FFF2-40B4-BE49-F238E27FC236}">
-                <a16:creationId xmlns:a16="http://schemas.microsoft.com/office/drawing/2014/main" id="{329F9C26-C02A-47FD-B8DA-D9FB29CE1D5D}"/>
-              </a:ext>
-            </a:extLst>
-          </p:cNvPr>
-          <p:cNvPicPr>
-            <a:picLocks noChangeAspect="1"/>
-          </p:cNvPicPr>
-          <p:nvPr/>
-        </p:nvPicPr>
-        <p:blipFill>
-          <a:blip r:embed="rId2"/>
-          <a:stretch>
-            <a:fillRect/>
-          </a:stretch>
-        </p:blipFill>
-        <p:spPr>
-          <a:xfrm>
-            <a:off x="190893" y="2322420"/>
-            <a:ext cx="8057561" cy="3528390"/>
-          </a:xfrm>
-          <a:prstGeom prst="rect">
-            <a:avLst/>
-          </a:prstGeom>
-        </p:spPr>
-      </p:pic>
+          <a:p>
+            <a:r>
+              <a:rPr lang="en-US" dirty="0">
+                <a:solidFill>
+                  <a:schemeClr val="bg2"/>
+                </a:solidFill>
+              </a:rPr>
+              <a:t>Then the system generates the selected puzzle for all the quotes in one go. All the puzzles are shown in one single HTML page. This can be printed into PDF using browser print functionality.</a:t>
+            </a:r>
+          </a:p>
+        </p:txBody>
+      </p:sp>
     </p:spTree>
     <p:extLst>
       <p:ext uri="{BB962C8B-B14F-4D97-AF65-F5344CB8AC3E}">
-        <p14:creationId xmlns:p14="http://schemas.microsoft.com/office/powerpoint/2010/main" val="1239394947"/>
+        <p14:creationId xmlns:p14="http://schemas.microsoft.com/office/powerpoint/2010/main" val="2439747903"/>
       </p:ext>
     </p:extLst>
   </p:cSld>
   <p:clrMapOvr>
     <a:masterClrMapping/>
   </p:clrMapOvr>
-  <p:transition/>
+  <p:transition>
+    <p:wipe dir="r"/>
+  </p:transition>
 </p:sld>
 </file>
 
@@ -7635,7 +7662,7 @@
         <p:spPr>
           <a:xfrm>
             <a:off x="1066800" y="242739"/>
-            <a:ext cx="6768199" cy="461665"/>
+            <a:ext cx="6136616" cy="461665"/>
           </a:xfrm>
           <a:prstGeom prst="rect">
             <a:avLst/>
@@ -7653,7 +7680,7 @@
                   <a:schemeClr val="bg2"/>
                 </a:solidFill>
               </a:rPr>
-              <a:t>Use Case 15: Support for “Batch” generation</a:t>
+              <a:t>Use Case 16: Code Cleanup, Refactoring</a:t>
             </a:r>
             <a:endParaRPr lang="en-US" dirty="0">
               <a:solidFill>
@@ -7678,7 +7705,7 @@
         <p:spPr>
           <a:xfrm>
             <a:off x="381001" y="1524000"/>
-            <a:ext cx="8534400" cy="4893647"/>
+            <a:ext cx="8534400" cy="1200329"/>
           </a:xfrm>
           <a:prstGeom prst="rect">
             <a:avLst/>
@@ -7697,7 +7724,7 @@
                   <a:schemeClr val="bg2"/>
                 </a:solidFill>
               </a:rPr>
-              <a:t>Once the user clicks Batch, the form shows two field.</a:t>
+              <a:t>Remove any unwanted, unnecessary files.</a:t>
             </a:r>
           </a:p>
           <a:p>
@@ -7708,64 +7735,13 @@
             </a:endParaRPr>
           </a:p>
           <a:p>
-            <a:endParaRPr lang="en-US" dirty="0">
-              <a:solidFill>
-                <a:schemeClr val="bg2"/>
-              </a:solidFill>
-            </a:endParaRPr>
-          </a:p>
-          <a:p>
             <a:r>
               <a:rPr lang="en-US" dirty="0">
                 <a:solidFill>
                   <a:schemeClr val="bg2"/>
                 </a:solidFill>
               </a:rPr>
-              <a:t>Which game you want to generate? [    ] (Pulldown list of games)</a:t>
-            </a:r>
-          </a:p>
-          <a:p>
-            <a:r>
-              <a:rPr lang="en-US" dirty="0">
-                <a:solidFill>
-                  <a:schemeClr val="bg2"/>
-                </a:solidFill>
-              </a:rPr>
-              <a:t>What is the starting quote ID: [     ]</a:t>
-            </a:r>
-          </a:p>
-          <a:p>
-            <a:r>
-              <a:rPr lang="en-US" dirty="0">
-                <a:solidFill>
-                  <a:schemeClr val="bg2"/>
-                </a:solidFill>
-              </a:rPr>
-              <a:t>What is the ending quote ID:  [     ]</a:t>
-            </a:r>
-          </a:p>
-          <a:p>
-            <a:endParaRPr lang="en-US" dirty="0">
-              <a:solidFill>
-                <a:schemeClr val="bg2"/>
-              </a:solidFill>
-            </a:endParaRPr>
-          </a:p>
-          <a:p>
-            <a:endParaRPr lang="en-US" dirty="0">
-              <a:solidFill>
-                <a:schemeClr val="bg2"/>
-              </a:solidFill>
-            </a:endParaRPr>
-          </a:p>
-          <a:p>
-            <a:r>
-              <a:rPr lang="en-US" dirty="0">
-                <a:solidFill>
-                  <a:schemeClr val="bg2"/>
-                </a:solidFill>
-              </a:rPr>
-              <a:t>Then the system generates the selected puzzle for all the quotes in one go. All the puzzles are shown in one single HTML page. This can be printed into PDF using browser print functionality.</a:t>
+              <a:t>Refactor the code for readability and maintainability.</a:t>
             </a:r>
           </a:p>
         </p:txBody>
@@ -7773,7 +7749,7 @@
     </p:spTree>
     <p:extLst>
       <p:ext uri="{BB962C8B-B14F-4D97-AF65-F5344CB8AC3E}">
-        <p14:creationId xmlns:p14="http://schemas.microsoft.com/office/powerpoint/2010/main" val="2439747903"/>
+        <p14:creationId xmlns:p14="http://schemas.microsoft.com/office/powerpoint/2010/main" val="2663616723"/>
       </p:ext>
     </p:extLst>
   </p:cSld>
@@ -7857,7 +7833,7 @@
         <p:spPr>
           <a:xfrm>
             <a:off x="1066800" y="242739"/>
-            <a:ext cx="6136616" cy="461665"/>
+            <a:ext cx="3267241" cy="461665"/>
           </a:xfrm>
           <a:prstGeom prst="rect">
             <a:avLst/>
@@ -7875,76 +7851,20 @@
                   <a:schemeClr val="bg2"/>
                 </a:solidFill>
               </a:rPr>
-              <a:t>Use Case 16: Code Cleanup, Refactoring</a:t>
+              <a:t>Use Case 17-20: TBD</a:t>
             </a:r>
             <a:endParaRPr lang="en-US" dirty="0">
               <a:solidFill>
                 <a:schemeClr val="bg2"/>
               </a:solidFill>
             </a:endParaRPr>
-          </a:p>
-        </p:txBody>
-      </p:sp>
-      <p:sp>
-        <p:nvSpPr>
-          <p:cNvPr id="7" name="TextBox 6">
-            <a:extLst>
-              <a:ext uri="{FF2B5EF4-FFF2-40B4-BE49-F238E27FC236}">
-                <a16:creationId xmlns:a16="http://schemas.microsoft.com/office/drawing/2014/main" id="{10D83526-0FE2-478F-A2E9-AD97E8DD459E}"/>
-              </a:ext>
-            </a:extLst>
-          </p:cNvPr>
-          <p:cNvSpPr txBox="1"/>
-          <p:nvPr/>
-        </p:nvSpPr>
-        <p:spPr>
-          <a:xfrm>
-            <a:off x="381001" y="1524000"/>
-            <a:ext cx="8534400" cy="1200329"/>
-          </a:xfrm>
-          <a:prstGeom prst="rect">
-            <a:avLst/>
-          </a:prstGeom>
-          <a:noFill/>
-        </p:spPr>
-        <p:txBody>
-          <a:bodyPr wrap="square" rtlCol="0">
-            <a:spAutoFit/>
-          </a:bodyPr>
-          <a:lstStyle/>
-          <a:p>
-            <a:r>
-              <a:rPr lang="en-US" dirty="0">
-                <a:solidFill>
-                  <a:schemeClr val="bg2"/>
-                </a:solidFill>
-              </a:rPr>
-              <a:t>Remove any unwanted, unnecessary files.</a:t>
-            </a:r>
-          </a:p>
-          <a:p>
-            <a:endParaRPr lang="en-US" dirty="0">
-              <a:solidFill>
-                <a:schemeClr val="bg2"/>
-              </a:solidFill>
-            </a:endParaRPr>
-          </a:p>
-          <a:p>
-            <a:r>
-              <a:rPr lang="en-US" dirty="0">
-                <a:solidFill>
-                  <a:schemeClr val="bg2"/>
-                </a:solidFill>
-              </a:rPr>
-              <a:t>Refactor the code for readability and maintainability.</a:t>
-            </a:r>
           </a:p>
         </p:txBody>
       </p:sp>
     </p:spTree>
     <p:extLst>
       <p:ext uri="{BB962C8B-B14F-4D97-AF65-F5344CB8AC3E}">
-        <p14:creationId xmlns:p14="http://schemas.microsoft.com/office/powerpoint/2010/main" val="2663616723"/>
+        <p14:creationId xmlns:p14="http://schemas.microsoft.com/office/powerpoint/2010/main" val="947737545"/>
       </p:ext>
     </p:extLst>
   </p:cSld>
@@ -7976,66 +7896,99 @@
       </p:grpSpPr>
       <p:sp>
         <p:nvSpPr>
-          <p:cNvPr id="2" name="Slide Number Placeholder 1">
-            <a:extLst>
-              <a:ext uri="{FF2B5EF4-FFF2-40B4-BE49-F238E27FC236}">
-                <a16:creationId xmlns:a16="http://schemas.microsoft.com/office/drawing/2014/main" id="{E7845A8E-C301-459F-A14D-028E56914551}"/>
+          <p:cNvPr id="2" name="Rectangle 2">
+            <a:extLst>
+              <a:ext uri="{FF2B5EF4-FFF2-40B4-BE49-F238E27FC236}">
+                <a16:creationId xmlns:a16="http://schemas.microsoft.com/office/drawing/2014/main" id="{78B07709-97CC-42A8-9B23-59FCDC8FAE05}"/>
               </a:ext>
             </a:extLst>
           </p:cNvPr>
           <p:cNvSpPr>
-            <a:spLocks noGrp="1"/>
+            <a:spLocks noChangeArrowheads="1"/>
           </p:cNvSpPr>
-          <p:nvPr>
-            <p:ph type="sldNum" sz="quarter" idx="11"/>
-          </p:nvPr>
-        </p:nvSpPr>
-        <p:spPr/>
-        <p:txBody>
-          <a:bodyPr/>
+          <p:nvPr/>
+        </p:nvSpPr>
+        <p:spPr bwMode="auto">
+          <a:xfrm>
+            <a:off x="0" y="0"/>
+            <a:ext cx="9144000" cy="0"/>
+          </a:xfrm>
+          <a:prstGeom prst="rect">
+            <a:avLst/>
+          </a:prstGeom>
+          <a:noFill/>
+          <a:ln>
+            <a:noFill/>
+          </a:ln>
+          <a:effectLst>
+            <a:prstShdw prst="shdw17" dist="17961" dir="2700000">
+              <a:schemeClr val="accent1">
+                <a:gamma/>
+                <a:shade val="60000"/>
+                <a:invGamma/>
+              </a:schemeClr>
+            </a:prstShdw>
+          </a:effectLst>
+          <a:extLst>
+            <a:ext uri="{909E8E84-426E-40DD-AFC4-6F175D3DCCD1}">
+              <a14:hiddenFill xmlns:a14="http://schemas.microsoft.com/office/drawing/2010/main">
+                <a:solidFill>
+                  <a:schemeClr val="accent1"/>
+                </a:solidFill>
+              </a14:hiddenFill>
+            </a:ext>
+            <a:ext uri="{91240B29-F687-4F45-9708-019B960494DF}">
+              <a14:hiddenLine xmlns:a14="http://schemas.microsoft.com/office/drawing/2010/main" w="12700" cap="flat" cmpd="sng">
+                <a:solidFill>
+                  <a:schemeClr val="tx1"/>
+                </a:solidFill>
+                <a:prstDash val="solid"/>
+                <a:miter lim="800000"/>
+                <a:headEnd type="none" w="sm" len="sm"/>
+                <a:tailEnd type="none" w="sm" len="sm"/>
+              </a14:hiddenLine>
+            </a:ext>
+          </a:extLst>
+        </p:spPr>
+        <p:txBody>
+          <a:bodyPr wrap="none" anchor="ctr">
+            <a:spAutoFit/>
+          </a:bodyPr>
           <a:lstStyle/>
           <a:p>
             <a:pPr>
               <a:defRPr/>
             </a:pPr>
-            <a:fld id="{55707887-EE06-4E3F-9515-1ED64E674293}" type="slidenum">
-              <a:rPr lang="en-GB" smtClean="0"/>
-              <a:pPr>
-                <a:defRPr/>
-              </a:pPr>
-              <a:t>29</a:t>
-            </a:fld>
-            <a:endParaRPr lang="en-GB">
-              <a:solidFill>
-                <a:srgbClr val="FFFFFF"/>
-              </a:solidFill>
-            </a:endParaRPr>
-          </a:p>
-        </p:txBody>
-      </p:sp>
-      <p:sp>
-        <p:nvSpPr>
-          <p:cNvPr id="4" name="Rectangle 3">
-            <a:extLst>
-              <a:ext uri="{FF2B5EF4-FFF2-40B4-BE49-F238E27FC236}">
-                <a16:creationId xmlns:a16="http://schemas.microsoft.com/office/drawing/2014/main" id="{AB2473F2-D5A3-49F5-BE1D-A2CE4CD25079}"/>
-              </a:ext>
-            </a:extLst>
-          </p:cNvPr>
-          <p:cNvSpPr/>
+            <a:endParaRPr lang="en-US">
+              <a:cs typeface="+mn-cs"/>
+            </a:endParaRPr>
+          </a:p>
+        </p:txBody>
+      </p:sp>
+      <p:sp>
+        <p:nvSpPr>
+          <p:cNvPr id="6" name="TextBox 5">
+            <a:extLst>
+              <a:ext uri="{FF2B5EF4-FFF2-40B4-BE49-F238E27FC236}">
+                <a16:creationId xmlns:a16="http://schemas.microsoft.com/office/drawing/2014/main" id="{7FB9AC0E-8734-4613-976B-11D0BEFFF939}"/>
+              </a:ext>
+            </a:extLst>
+          </p:cNvPr>
+          <p:cNvSpPr txBox="1"/>
           <p:nvPr/>
         </p:nvSpPr>
         <p:spPr>
           <a:xfrm>
-            <a:off x="1066800" y="242739"/>
-            <a:ext cx="3267241" cy="461665"/>
-          </a:xfrm>
-          <a:prstGeom prst="rect">
-            <a:avLst/>
-          </a:prstGeom>
-        </p:spPr>
-        <p:txBody>
-          <a:bodyPr wrap="none">
+            <a:off x="1066800" y="157742"/>
+            <a:ext cx="7992386" cy="461665"/>
+          </a:xfrm>
+          <a:prstGeom prst="rect">
+            <a:avLst/>
+          </a:prstGeom>
+          <a:noFill/>
+        </p:spPr>
+        <p:txBody>
+          <a:bodyPr wrap="square" rtlCol="0">
             <a:spAutoFit/>
           </a:bodyPr>
           <a:lstStyle/>
@@ -8046,7 +7999,7 @@
                   <a:schemeClr val="bg2"/>
                 </a:solidFill>
               </a:rPr>
-              <a:t>Use Case 17-20: TBD</a:t>
+              <a:t>Any questions?</a:t>
             </a:r>
             <a:endParaRPr lang="en-US" dirty="0">
               <a:solidFill>
@@ -8056,19 +8009,64 @@
           </a:p>
         </p:txBody>
       </p:sp>
+      <p:pic>
+        <p:nvPicPr>
+          <p:cNvPr id="2050" name="Picture 2" descr="How to Respond to &quot;Do You Have Any Questions for Me?&quot; - Talent Economy">
+            <a:extLst>
+              <a:ext uri="{FF2B5EF4-FFF2-40B4-BE49-F238E27FC236}">
+                <a16:creationId xmlns:a16="http://schemas.microsoft.com/office/drawing/2014/main" id="{A9235478-4569-4AE0-8514-18F17A128DC7}"/>
+              </a:ext>
+            </a:extLst>
+          </p:cNvPr>
+          <p:cNvPicPr>
+            <a:picLocks noChangeAspect="1" noChangeArrowheads="1"/>
+          </p:cNvPicPr>
+          <p:nvPr/>
+        </p:nvPicPr>
+        <p:blipFill>
+          <a:blip r:embed="rId2">
+            <a:extLst>
+              <a:ext uri="{28A0092B-C50C-407E-A947-70E740481C1C}">
+                <a14:useLocalDpi xmlns:a14="http://schemas.microsoft.com/office/drawing/2010/main" val="0"/>
+              </a:ext>
+            </a:extLst>
+          </a:blip>
+          <a:srcRect/>
+          <a:stretch>
+            <a:fillRect/>
+          </a:stretch>
+        </p:blipFill>
+        <p:spPr bwMode="auto">
+          <a:xfrm>
+            <a:off x="2114550" y="2133600"/>
+            <a:ext cx="4032738" cy="3048000"/>
+          </a:xfrm>
+          <a:prstGeom prst="rect">
+            <a:avLst/>
+          </a:prstGeom>
+          <a:noFill/>
+          <a:extLst>
+            <a:ext uri="{909E8E84-426E-40DD-AFC4-6F175D3DCCD1}">
+              <a14:hiddenFill xmlns:a14="http://schemas.microsoft.com/office/drawing/2010/main">
+                <a:solidFill>
+                  <a:srgbClr val="FFFFFF"/>
+                </a:solidFill>
+              </a14:hiddenFill>
+            </a:ext>
+          </a:extLst>
+        </p:spPr>
+      </p:pic>
     </p:spTree>
     <p:extLst>
       <p:ext uri="{BB962C8B-B14F-4D97-AF65-F5344CB8AC3E}">
-        <p14:creationId xmlns:p14="http://schemas.microsoft.com/office/powerpoint/2010/main" val="947737545"/>
+        <p14:creationId xmlns:p14="http://schemas.microsoft.com/office/powerpoint/2010/main" val="555213981"/>
       </p:ext>
     </p:extLst>
   </p:cSld>
   <p:clrMapOvr>
     <a:masterClrMapping/>
   </p:clrMapOvr>
-  <p:transition>
-    <p:wipe dir="r"/>
-  </p:transition>
+  <p:transition/>
 </p:sld>
 </file>
 
@@ -8442,199 +8440,6 @@
     <p:extLst>
       <p:ext uri="{BB962C8B-B14F-4D97-AF65-F5344CB8AC3E}">
         <p14:creationId xmlns:p14="http://schemas.microsoft.com/office/powerpoint/2010/main" val="4096022696"/>
-      </p:ext>
-    </p:extLst>
-  </p:cSld>
-  <p:clrMapOvr>
-    <a:masterClrMapping/>
-  </p:clrMapOvr>
-  <p:transition/>
-</p:sld>
-</file>
-
-<file path=ppt/slides/slide30.xml><?xml version="1.0" encoding="utf-8"?>
-<p:sld xmlns:a="http://schemas.openxmlformats.org/drawingml/2006/main" xmlns:r="http://schemas.openxmlformats.org/officeDocument/2006/relationships" xmlns:p="http://schemas.openxmlformats.org/presentationml/2006/main">
-  <p:cSld>
-    <p:spTree>
-      <p:nvGrpSpPr>
-        <p:cNvPr id="1" name=""/>
-        <p:cNvGrpSpPr/>
-        <p:nvPr/>
-      </p:nvGrpSpPr>
-      <p:grpSpPr>
-        <a:xfrm>
-          <a:off x="0" y="0"/>
-          <a:ext cx="0" cy="0"/>
-          <a:chOff x="0" y="0"/>
-          <a:chExt cx="0" cy="0"/>
-        </a:xfrm>
-      </p:grpSpPr>
-      <p:sp>
-        <p:nvSpPr>
-          <p:cNvPr id="2" name="Rectangle 2">
-            <a:extLst>
-              <a:ext uri="{FF2B5EF4-FFF2-40B4-BE49-F238E27FC236}">
-                <a16:creationId xmlns:a16="http://schemas.microsoft.com/office/drawing/2014/main" id="{78B07709-97CC-42A8-9B23-59FCDC8FAE05}"/>
-              </a:ext>
-            </a:extLst>
-          </p:cNvPr>
-          <p:cNvSpPr>
-            <a:spLocks noChangeArrowheads="1"/>
-          </p:cNvSpPr>
-          <p:nvPr/>
-        </p:nvSpPr>
-        <p:spPr bwMode="auto">
-          <a:xfrm>
-            <a:off x="0" y="0"/>
-            <a:ext cx="9144000" cy="0"/>
-          </a:xfrm>
-          <a:prstGeom prst="rect">
-            <a:avLst/>
-          </a:prstGeom>
-          <a:noFill/>
-          <a:ln>
-            <a:noFill/>
-          </a:ln>
-          <a:effectLst>
-            <a:prstShdw prst="shdw17" dist="17961" dir="2700000">
-              <a:schemeClr val="accent1">
-                <a:gamma/>
-                <a:shade val="60000"/>
-                <a:invGamma/>
-              </a:schemeClr>
-            </a:prstShdw>
-          </a:effectLst>
-          <a:extLst>
-            <a:ext uri="{909E8E84-426E-40DD-AFC4-6F175D3DCCD1}">
-              <a14:hiddenFill xmlns:a14="http://schemas.microsoft.com/office/drawing/2010/main">
-                <a:solidFill>
-                  <a:schemeClr val="accent1"/>
-                </a:solidFill>
-              </a14:hiddenFill>
-            </a:ext>
-            <a:ext uri="{91240B29-F687-4F45-9708-019B960494DF}">
-              <a14:hiddenLine xmlns:a14="http://schemas.microsoft.com/office/drawing/2010/main" w="12700" cap="flat" cmpd="sng">
-                <a:solidFill>
-                  <a:schemeClr val="tx1"/>
-                </a:solidFill>
-                <a:prstDash val="solid"/>
-                <a:miter lim="800000"/>
-                <a:headEnd type="none" w="sm" len="sm"/>
-                <a:tailEnd type="none" w="sm" len="sm"/>
-              </a14:hiddenLine>
-            </a:ext>
-          </a:extLst>
-        </p:spPr>
-        <p:txBody>
-          <a:bodyPr wrap="none" anchor="ctr">
-            <a:spAutoFit/>
-          </a:bodyPr>
-          <a:lstStyle/>
-          <a:p>
-            <a:pPr>
-              <a:defRPr/>
-            </a:pPr>
-            <a:endParaRPr lang="en-US">
-              <a:cs typeface="+mn-cs"/>
-            </a:endParaRPr>
-          </a:p>
-        </p:txBody>
-      </p:sp>
-      <p:sp>
-        <p:nvSpPr>
-          <p:cNvPr id="6" name="TextBox 5">
-            <a:extLst>
-              <a:ext uri="{FF2B5EF4-FFF2-40B4-BE49-F238E27FC236}">
-                <a16:creationId xmlns:a16="http://schemas.microsoft.com/office/drawing/2014/main" id="{7FB9AC0E-8734-4613-976B-11D0BEFFF939}"/>
-              </a:ext>
-            </a:extLst>
-          </p:cNvPr>
-          <p:cNvSpPr txBox="1"/>
-          <p:nvPr/>
-        </p:nvSpPr>
-        <p:spPr>
-          <a:xfrm>
-            <a:off x="1066800" y="157742"/>
-            <a:ext cx="7992386" cy="461665"/>
-          </a:xfrm>
-          <a:prstGeom prst="rect">
-            <a:avLst/>
-          </a:prstGeom>
-          <a:noFill/>
-        </p:spPr>
-        <p:txBody>
-          <a:bodyPr wrap="square" rtlCol="0">
-            <a:spAutoFit/>
-          </a:bodyPr>
-          <a:lstStyle/>
-          <a:p>
-            <a:r>
-              <a:rPr lang="en-US" b="1" dirty="0">
-                <a:solidFill>
-                  <a:schemeClr val="bg2"/>
-                </a:solidFill>
-              </a:rPr>
-              <a:t>Any questions?</a:t>
-            </a:r>
-            <a:endParaRPr lang="en-US" dirty="0">
-              <a:solidFill>
-                <a:schemeClr val="bg2"/>
-              </a:solidFill>
-            </a:endParaRPr>
-          </a:p>
-        </p:txBody>
-      </p:sp>
-      <p:pic>
-        <p:nvPicPr>
-          <p:cNvPr id="2050" name="Picture 2" descr="How to Respond to &quot;Do You Have Any Questions for Me?&quot; - Talent Economy">
-            <a:extLst>
-              <a:ext uri="{FF2B5EF4-FFF2-40B4-BE49-F238E27FC236}">
-                <a16:creationId xmlns:a16="http://schemas.microsoft.com/office/drawing/2014/main" id="{A9235478-4569-4AE0-8514-18F17A128DC7}"/>
-              </a:ext>
-            </a:extLst>
-          </p:cNvPr>
-          <p:cNvPicPr>
-            <a:picLocks noChangeAspect="1" noChangeArrowheads="1"/>
-          </p:cNvPicPr>
-          <p:nvPr/>
-        </p:nvPicPr>
-        <p:blipFill>
-          <a:blip r:embed="rId2">
-            <a:extLst>
-              <a:ext uri="{28A0092B-C50C-407E-A947-70E740481C1C}">
-                <a14:useLocalDpi xmlns:a14="http://schemas.microsoft.com/office/drawing/2010/main" val="0"/>
-              </a:ext>
-            </a:extLst>
-          </a:blip>
-          <a:srcRect/>
-          <a:stretch>
-            <a:fillRect/>
-          </a:stretch>
-        </p:blipFill>
-        <p:spPr bwMode="auto">
-          <a:xfrm>
-            <a:off x="2114550" y="2133600"/>
-            <a:ext cx="4032738" cy="3048000"/>
-          </a:xfrm>
-          <a:prstGeom prst="rect">
-            <a:avLst/>
-          </a:prstGeom>
-          <a:noFill/>
-          <a:extLst>
-            <a:ext uri="{909E8E84-426E-40DD-AFC4-6F175D3DCCD1}">
-              <a14:hiddenFill xmlns:a14="http://schemas.microsoft.com/office/drawing/2010/main">
-                <a:solidFill>
-                  <a:srgbClr val="FFFFFF"/>
-                </a:solidFill>
-              </a14:hiddenFill>
-            </a:ext>
-          </a:extLst>
-        </p:spPr>
-      </p:pic>
-    </p:spTree>
-    <p:extLst>
-      <p:ext uri="{BB962C8B-B14F-4D97-AF65-F5344CB8AC3E}">
-        <p14:creationId xmlns:p14="http://schemas.microsoft.com/office/powerpoint/2010/main" val="555213981"/>
       </p:ext>
     </p:extLst>
   </p:cSld>
